--- a/GeoPython_2018.pptx
+++ b/GeoPython_2018.pptx
@@ -5367,15 +5367,12 @@
               <a:rPr lang="en-IN" sz="2400" dirty="0">
                 <a:hlinkClick r:id="rId4"/>
               </a:rPr>
-              <a:t>https://github.com/greatdevaks/GeoPython</a:t>
-            </a:r>
-            <a:r>
-              <a:rPr lang="en-IN" sz="2400">
-                <a:hlinkClick r:id="rId4"/>
-              </a:rPr>
-              <a:t>_2018</a:t>
-            </a:r>
-            <a:endParaRPr lang="en-IN" sz="2400" dirty="0"/>
+              <a:t>https://github.com/greatdevaks/GeoPython_Basel_2018</a:t>
+            </a:r>
+            <a:r>
+              <a:rPr lang="en-IN" sz="2400" dirty="0"/>
+              <a:t> </a:t>
+            </a:r>
           </a:p>
         </p:txBody>
       </p:sp>

--- a/GeoPython_2018.pptx
+++ b/GeoPython_2018.pptx
@@ -5,7 +5,7 @@
     <p:sldMasterId id="2147483648" r:id="rId1"/>
   </p:sldMasterIdLst>
   <p:notesMasterIdLst>
-    <p:notesMasterId r:id="rId16"/>
+    <p:notesMasterId r:id="rId15"/>
   </p:notesMasterIdLst>
   <p:sldIdLst>
     <p:sldId id="256" r:id="rId2"/>
@@ -18,10 +18,9 @@
     <p:sldId id="269" r:id="rId9"/>
     <p:sldId id="270" r:id="rId10"/>
     <p:sldId id="271" r:id="rId11"/>
-    <p:sldId id="272" r:id="rId12"/>
-    <p:sldId id="274" r:id="rId13"/>
-    <p:sldId id="276" r:id="rId14"/>
-    <p:sldId id="275" r:id="rId15"/>
+    <p:sldId id="274" r:id="rId12"/>
+    <p:sldId id="276" r:id="rId13"/>
+    <p:sldId id="275" r:id="rId14"/>
   </p:sldIdLst>
   <p:sldSz cx="12192000" cy="6858000"/>
   <p:notesSz cx="6858000" cy="9144000"/>
@@ -5076,7 +5075,34 @@
             </a:pPr>
             <a:r>
               <a:rPr lang="en-IN" sz="2400" dirty="0"/>
+              <a:t>Remember that ALL MODELS ARE WRONG BUT SOME ARE USEFUL.</a:t>
+            </a:r>
+          </a:p>
+          <a:p>
+            <a:pPr>
+              <a:buBlip>
+                <a:blip r:embed="rId2">
+                  <a:extLst>
+                    <a:ext uri="{837473B0-CC2E-450A-ABE3-18F120FF3D39}">
+                      <a1611:picAttrSrcUrl xmlns:a1611="http://schemas.microsoft.com/office/drawing/2016/11/main" r:id="rId3"/>
+                    </a:ext>
+                  </a:extLst>
+                </a:blip>
+              </a:buBlip>
+            </a:pPr>
+            <a:r>
+              <a:rPr lang="en-IN" sz="2400" dirty="0"/>
               <a:t>Code available at: </a:t>
+            </a:r>
+            <a:r>
+              <a:rPr lang="en-IN" sz="2400" dirty="0">
+                <a:hlinkClick r:id="rId4"/>
+              </a:rPr>
+              <a:t>https://github.com/greatdevaks/GeoPython_Basel_2018</a:t>
+            </a:r>
+            <a:r>
+              <a:rPr lang="en-IN" sz="2400" dirty="0"/>
+              <a:t> </a:t>
             </a:r>
           </a:p>
         </p:txBody>
@@ -5199,7 +5225,7 @@
           <p:nvPr/>
         </p:nvPicPr>
         <p:blipFill>
-          <a:blip r:embed="rId4">
+          <a:blip r:embed="rId5">
             <a:extLst>
               <a:ext uri="{28A0092B-C50C-407E-A947-70E740481C1C}">
                 <a14:useLocalDpi xmlns:a14="http://schemas.microsoft.com/office/drawing/2010/main" val="0"/>
@@ -5234,7 +5260,7 @@
     </p:spTree>
     <p:extLst>
       <p:ext uri="{BB962C8B-B14F-4D97-AF65-F5344CB8AC3E}">
-        <p14:creationId xmlns:p14="http://schemas.microsoft.com/office/powerpoint/2010/main" val="1071426757"/>
+        <p14:creationId xmlns:p14="http://schemas.microsoft.com/office/powerpoint/2010/main" val="3779664455"/>
       </p:ext>
     </p:extLst>
   </p:cSld>
@@ -5286,301 +5312,6 @@
           <a:p>
             <a:r>
               <a:rPr lang="en-IN" sz="3600" cap="none" dirty="0"/>
-              <a:t>Jumping to Implementation</a:t>
-            </a:r>
-          </a:p>
-        </p:txBody>
-      </p:sp>
-      <p:sp>
-        <p:nvSpPr>
-          <p:cNvPr id="3" name="Content Placeholder 2">
-            <a:extLst>
-              <a:ext uri="{FF2B5EF4-FFF2-40B4-BE49-F238E27FC236}">
-                <a16:creationId xmlns:a16="http://schemas.microsoft.com/office/drawing/2014/main" id="{CD396806-69AF-4469-AAFE-F68C5D889851}"/>
-              </a:ext>
-            </a:extLst>
-          </p:cNvPr>
-          <p:cNvSpPr>
-            <a:spLocks noGrp="1"/>
-          </p:cNvSpPr>
-          <p:nvPr>
-            <p:ph idx="1"/>
-          </p:nvPr>
-        </p:nvSpPr>
-        <p:spPr/>
-        <p:txBody>
-          <a:bodyPr>
-            <a:normAutofit/>
-          </a:bodyPr>
-          <a:lstStyle/>
-          <a:p>
-            <a:pPr>
-              <a:buBlip>
-                <a:blip r:embed="rId2">
-                  <a:extLst>
-                    <a:ext uri="{837473B0-CC2E-450A-ABE3-18F120FF3D39}">
-                      <a1611:picAttrSrcUrl xmlns:a1611="http://schemas.microsoft.com/office/drawing/2016/11/main" r:id="rId3"/>
-                    </a:ext>
-                  </a:extLst>
-                </a:blip>
-              </a:buBlip>
-            </a:pPr>
-            <a:r>
-              <a:rPr lang="en-IN" sz="2400" dirty="0"/>
-              <a:t>Let’s build the RNN and LSTM Neural Network Model.</a:t>
-            </a:r>
-          </a:p>
-          <a:p>
-            <a:pPr>
-              <a:buBlip>
-                <a:blip r:embed="rId2">
-                  <a:extLst>
-                    <a:ext uri="{837473B0-CC2E-450A-ABE3-18F120FF3D39}">
-                      <a1611:picAttrSrcUrl xmlns:a1611="http://schemas.microsoft.com/office/drawing/2016/11/main" r:id="rId3"/>
-                    </a:ext>
-                  </a:extLst>
-                </a:blip>
-              </a:buBlip>
-            </a:pPr>
-            <a:r>
-              <a:rPr lang="en-IN" sz="2400" dirty="0"/>
-              <a:t>Remember that ALL MODELS ARE WRONG BUT SOME ARE USEFUL.</a:t>
-            </a:r>
-          </a:p>
-          <a:p>
-            <a:pPr>
-              <a:buBlip>
-                <a:blip r:embed="rId2">
-                  <a:extLst>
-                    <a:ext uri="{837473B0-CC2E-450A-ABE3-18F120FF3D39}">
-                      <a1611:picAttrSrcUrl xmlns:a1611="http://schemas.microsoft.com/office/drawing/2016/11/main" r:id="rId3"/>
-                    </a:ext>
-                  </a:extLst>
-                </a:blip>
-              </a:buBlip>
-            </a:pPr>
-            <a:r>
-              <a:rPr lang="en-IN" sz="2400" dirty="0"/>
-              <a:t>Code available at: </a:t>
-            </a:r>
-            <a:r>
-              <a:rPr lang="en-IN" sz="2400" dirty="0">
-                <a:hlinkClick r:id="rId4"/>
-              </a:rPr>
-              <a:t>https://github.com/greatdevaks/GeoPython_Basel_2018</a:t>
-            </a:r>
-            <a:r>
-              <a:rPr lang="en-IN" sz="2400" dirty="0"/>
-              <a:t> </a:t>
-            </a:r>
-          </a:p>
-        </p:txBody>
-      </p:sp>
-      <p:sp>
-        <p:nvSpPr>
-          <p:cNvPr id="4" name="Date Placeholder 3">
-            <a:extLst>
-              <a:ext uri="{FF2B5EF4-FFF2-40B4-BE49-F238E27FC236}">
-                <a16:creationId xmlns:a16="http://schemas.microsoft.com/office/drawing/2014/main" id="{9B673514-622D-4BC3-BE99-728125AE3C39}"/>
-              </a:ext>
-            </a:extLst>
-          </p:cNvPr>
-          <p:cNvSpPr>
-            <a:spLocks noGrp="1"/>
-          </p:cNvSpPr>
-          <p:nvPr>
-            <p:ph type="dt" sz="half" idx="10"/>
-          </p:nvPr>
-        </p:nvSpPr>
-        <p:spPr>
-          <a:xfrm>
-            <a:off x="7605951" y="5956137"/>
-            <a:ext cx="2844799" cy="365125"/>
-          </a:xfrm>
-        </p:spPr>
-        <p:txBody>
-          <a:bodyPr/>
-          <a:lstStyle/>
-          <a:p>
-            <a:fld id="{9331F5B1-8E33-43BD-BAC2-DE155A4B0813}" type="datetime2">
-              <a:rPr lang="en-US" smtClean="0"/>
-              <a:t>Tuesday, May 8, 2018</a:t>
-            </a:fld>
-            <a:endParaRPr lang="en-US" dirty="0"/>
-          </a:p>
-        </p:txBody>
-      </p:sp>
-      <p:sp>
-        <p:nvSpPr>
-          <p:cNvPr id="5" name="Footer Placeholder 4">
-            <a:extLst>
-              <a:ext uri="{FF2B5EF4-FFF2-40B4-BE49-F238E27FC236}">
-                <a16:creationId xmlns:a16="http://schemas.microsoft.com/office/drawing/2014/main" id="{2F84ED71-3A32-4C3F-AD4E-DCDF3424D5F0}"/>
-              </a:ext>
-            </a:extLst>
-          </p:cNvPr>
-          <p:cNvSpPr>
-            <a:spLocks noGrp="1"/>
-          </p:cNvSpPr>
-          <p:nvPr>
-            <p:ph type="ftr" sz="quarter" idx="11"/>
-          </p:nvPr>
-        </p:nvSpPr>
-        <p:spPr>
-          <a:xfrm>
-            <a:off x="581192" y="5951811"/>
-            <a:ext cx="6917210" cy="365125"/>
-          </a:xfrm>
-        </p:spPr>
-        <p:txBody>
-          <a:bodyPr/>
-          <a:lstStyle/>
-          <a:p>
-            <a:r>
-              <a:rPr lang="en-IN"/>
-              <a:t>Understanding and Implementing Recurrent Neural Networks Using Python</a:t>
-            </a:r>
-            <a:endParaRPr lang="en-US" dirty="0"/>
-          </a:p>
-        </p:txBody>
-      </p:sp>
-      <p:sp>
-        <p:nvSpPr>
-          <p:cNvPr id="6" name="Slide Number Placeholder 5">
-            <a:extLst>
-              <a:ext uri="{FF2B5EF4-FFF2-40B4-BE49-F238E27FC236}">
-                <a16:creationId xmlns:a16="http://schemas.microsoft.com/office/drawing/2014/main" id="{C8632DC4-6168-44EF-B818-D5B6A2C39EF4}"/>
-              </a:ext>
-            </a:extLst>
-          </p:cNvPr>
-          <p:cNvSpPr>
-            <a:spLocks noGrp="1"/>
-          </p:cNvSpPr>
-          <p:nvPr>
-            <p:ph type="sldNum" sz="quarter" idx="12"/>
-          </p:nvPr>
-        </p:nvSpPr>
-        <p:spPr>
-          <a:xfrm>
-            <a:off x="10558300" y="5956137"/>
-            <a:ext cx="1052508" cy="365125"/>
-          </a:xfrm>
-        </p:spPr>
-        <p:txBody>
-          <a:bodyPr/>
-          <a:lstStyle/>
-          <a:p>
-            <a:fld id="{D57F1E4F-1CFF-5643-939E-217C01CDF565}" type="slidenum">
-              <a:rPr lang="en-US" smtClean="0"/>
-              <a:pPr/>
-              <a:t>12</a:t>
-            </a:fld>
-            <a:endParaRPr lang="en-US" dirty="0"/>
-          </a:p>
-        </p:txBody>
-      </p:sp>
-      <p:pic>
-        <p:nvPicPr>
-          <p:cNvPr id="8" name="Picture 4" descr="Image result for geopython">
-            <a:extLst>
-              <a:ext uri="{FF2B5EF4-FFF2-40B4-BE49-F238E27FC236}">
-                <a16:creationId xmlns:a16="http://schemas.microsoft.com/office/drawing/2014/main" id="{D30669FA-9098-444A-B463-EA8D8F60EDA3}"/>
-              </a:ext>
-            </a:extLst>
-          </p:cNvPr>
-          <p:cNvPicPr>
-            <a:picLocks noChangeAspect="1" noChangeArrowheads="1"/>
-          </p:cNvPicPr>
-          <p:nvPr/>
-        </p:nvPicPr>
-        <p:blipFill>
-          <a:blip r:embed="rId5">
-            <a:extLst>
-              <a:ext uri="{28A0092B-C50C-407E-A947-70E740481C1C}">
-                <a14:useLocalDpi xmlns:a14="http://schemas.microsoft.com/office/drawing/2010/main" val="0"/>
-              </a:ext>
-            </a:extLst>
-          </a:blip>
-          <a:srcRect/>
-          <a:stretch>
-            <a:fillRect/>
-          </a:stretch>
-        </p:blipFill>
-        <p:spPr bwMode="auto">
-          <a:xfrm>
-            <a:off x="8243570" y="702156"/>
-            <a:ext cx="3443603" cy="1013800"/>
-          </a:xfrm>
-          <a:prstGeom prst="rect">
-            <a:avLst/>
-          </a:prstGeom>
-          <a:noFill/>
-          <a:extLst>
-            <a:ext uri="{909E8E84-426E-40DD-AFC4-6F175D3DCCD1}">
-              <a14:hiddenFill xmlns:a14="http://schemas.microsoft.com/office/drawing/2010/main">
-                <a:solidFill>
-                  <a:srgbClr val="FFFFFF"/>
-                </a:solidFill>
-              </a14:hiddenFill>
-            </a:ext>
-          </a:extLst>
-        </p:spPr>
-      </p:pic>
-    </p:spTree>
-    <p:extLst>
-      <p:ext uri="{BB962C8B-B14F-4D97-AF65-F5344CB8AC3E}">
-        <p14:creationId xmlns:p14="http://schemas.microsoft.com/office/powerpoint/2010/main" val="3779664455"/>
-      </p:ext>
-    </p:extLst>
-  </p:cSld>
-  <p:clrMapOvr>
-    <a:masterClrMapping/>
-  </p:clrMapOvr>
-</p:sld>
-</file>
-
-<file path=ppt/slides/slide13.xml><?xml version="1.0" encoding="utf-8"?>
-<p:sld xmlns:a="http://schemas.openxmlformats.org/drawingml/2006/main" xmlns:r="http://schemas.openxmlformats.org/officeDocument/2006/relationships" xmlns:p="http://schemas.openxmlformats.org/presentationml/2006/main">
-  <p:cSld>
-    <p:spTree>
-      <p:nvGrpSpPr>
-        <p:cNvPr id="1" name=""/>
-        <p:cNvGrpSpPr/>
-        <p:nvPr/>
-      </p:nvGrpSpPr>
-      <p:grpSpPr>
-        <a:xfrm>
-          <a:off x="0" y="0"/>
-          <a:ext cx="0" cy="0"/>
-          <a:chOff x="0" y="0"/>
-          <a:chExt cx="0" cy="0"/>
-        </a:xfrm>
-      </p:grpSpPr>
-      <p:sp>
-        <p:nvSpPr>
-          <p:cNvPr id="2" name="Title 1">
-            <a:extLst>
-              <a:ext uri="{FF2B5EF4-FFF2-40B4-BE49-F238E27FC236}">
-                <a16:creationId xmlns:a16="http://schemas.microsoft.com/office/drawing/2014/main" id="{303F85D2-38AB-40E5-859A-F80E276626AA}"/>
-              </a:ext>
-            </a:extLst>
-          </p:cNvPr>
-          <p:cNvSpPr>
-            <a:spLocks noGrp="1"/>
-          </p:cNvSpPr>
-          <p:nvPr>
-            <p:ph type="title"/>
-          </p:nvPr>
-        </p:nvSpPr>
-        <p:spPr/>
-        <p:txBody>
-          <a:bodyPr>
-            <a:normAutofit/>
-          </a:bodyPr>
-          <a:lstStyle/>
-          <a:p>
-            <a:r>
-              <a:rPr lang="en-IN" sz="3600" cap="none" dirty="0"/>
               <a:t>Acknowledgements</a:t>
             </a:r>
           </a:p>
@@ -5821,7 +5552,7 @@
             <a:fld id="{D57F1E4F-1CFF-5643-939E-217C01CDF565}" type="slidenum">
               <a:rPr lang="en-US" smtClean="0"/>
               <a:pPr/>
-              <a:t>13</a:t>
+              <a:t>12</a:t>
             </a:fld>
             <a:endParaRPr lang="en-US" dirty="0"/>
           </a:p>
@@ -5934,7 +5665,7 @@
 </p:sld>
 </file>
 
-<file path=ppt/slides/slide14.xml><?xml version="1.0" encoding="utf-8"?>
+<file path=ppt/slides/slide13.xml><?xml version="1.0" encoding="utf-8"?>
 <p:sld xmlns:a="http://schemas.openxmlformats.org/drawingml/2006/main" xmlns:r="http://schemas.openxmlformats.org/officeDocument/2006/relationships" xmlns:p="http://schemas.openxmlformats.org/presentationml/2006/main">
   <p:cSld>
     <p:spTree>
@@ -7066,7 +6797,7 @@
             </a:pPr>
             <a:r>
               <a:rPr lang="en-IN" sz="2400" dirty="0"/>
-              <a:t>RNNs are one of the most advanced and complex Supervised Deep Learning Algorithms</a:t>
+              <a:t>RNNs are one of the most advanced and complex Supervised Deep Learning Algorithms.</a:t>
             </a:r>
           </a:p>
           <a:p>
